--- a/Introduction to Optical Tweezers.pptx
+++ b/Introduction to Optical Tweezers.pptx
@@ -294,7 +294,7 @@
           <a:p>
             <a:fld id="{E18F4F95-9F2F-4364-AA96-7B7CEACC768D}" type="datetimeFigureOut">
               <a:rPr lang="en-US" smtClean="0"/>
-              <a:t>2/23/2022</a:t>
+              <a:t>3/8/2022</a:t>
             </a:fld>
             <a:endParaRPr lang="en-US"/>
           </a:p>
@@ -494,7 +494,7 @@
           <a:p>
             <a:fld id="{E18F4F95-9F2F-4364-AA96-7B7CEACC768D}" type="datetimeFigureOut">
               <a:rPr lang="en-US" smtClean="0"/>
-              <a:t>2/23/2022</a:t>
+              <a:t>3/8/2022</a:t>
             </a:fld>
             <a:endParaRPr lang="en-US"/>
           </a:p>
@@ -704,7 +704,7 @@
           <a:p>
             <a:fld id="{E18F4F95-9F2F-4364-AA96-7B7CEACC768D}" type="datetimeFigureOut">
               <a:rPr lang="en-US" smtClean="0"/>
-              <a:t>2/23/2022</a:t>
+              <a:t>3/8/2022</a:t>
             </a:fld>
             <a:endParaRPr lang="en-US"/>
           </a:p>
@@ -904,7 +904,7 @@
           <a:p>
             <a:fld id="{E18F4F95-9F2F-4364-AA96-7B7CEACC768D}" type="datetimeFigureOut">
               <a:rPr lang="en-US" smtClean="0"/>
-              <a:t>2/23/2022</a:t>
+              <a:t>3/8/2022</a:t>
             </a:fld>
             <a:endParaRPr lang="en-US"/>
           </a:p>
@@ -1180,7 +1180,7 @@
           <a:p>
             <a:fld id="{E18F4F95-9F2F-4364-AA96-7B7CEACC768D}" type="datetimeFigureOut">
               <a:rPr lang="en-US" smtClean="0"/>
-              <a:t>2/23/2022</a:t>
+              <a:t>3/8/2022</a:t>
             </a:fld>
             <a:endParaRPr lang="en-US"/>
           </a:p>
@@ -1448,7 +1448,7 @@
           <a:p>
             <a:fld id="{E18F4F95-9F2F-4364-AA96-7B7CEACC768D}" type="datetimeFigureOut">
               <a:rPr lang="en-US" smtClean="0"/>
-              <a:t>2/23/2022</a:t>
+              <a:t>3/8/2022</a:t>
             </a:fld>
             <a:endParaRPr lang="en-US"/>
           </a:p>
@@ -1863,7 +1863,7 @@
           <a:p>
             <a:fld id="{E18F4F95-9F2F-4364-AA96-7B7CEACC768D}" type="datetimeFigureOut">
               <a:rPr lang="en-US" smtClean="0"/>
-              <a:t>2/23/2022</a:t>
+              <a:t>3/8/2022</a:t>
             </a:fld>
             <a:endParaRPr lang="en-US"/>
           </a:p>
@@ -2005,7 +2005,7 @@
           <a:p>
             <a:fld id="{E18F4F95-9F2F-4364-AA96-7B7CEACC768D}" type="datetimeFigureOut">
               <a:rPr lang="en-US" smtClean="0"/>
-              <a:t>2/23/2022</a:t>
+              <a:t>3/8/2022</a:t>
             </a:fld>
             <a:endParaRPr lang="en-US"/>
           </a:p>
@@ -2118,7 +2118,7 @@
           <a:p>
             <a:fld id="{E18F4F95-9F2F-4364-AA96-7B7CEACC768D}" type="datetimeFigureOut">
               <a:rPr lang="en-US" smtClean="0"/>
-              <a:t>2/23/2022</a:t>
+              <a:t>3/8/2022</a:t>
             </a:fld>
             <a:endParaRPr lang="en-US"/>
           </a:p>
@@ -2431,7 +2431,7 @@
           <a:p>
             <a:fld id="{E18F4F95-9F2F-4364-AA96-7B7CEACC768D}" type="datetimeFigureOut">
               <a:rPr lang="en-US" smtClean="0"/>
-              <a:t>2/23/2022</a:t>
+              <a:t>3/8/2022</a:t>
             </a:fld>
             <a:endParaRPr lang="en-US"/>
           </a:p>
@@ -2720,7 +2720,7 @@
           <a:p>
             <a:fld id="{E18F4F95-9F2F-4364-AA96-7B7CEACC768D}" type="datetimeFigureOut">
               <a:rPr lang="en-US" smtClean="0"/>
-              <a:t>2/23/2022</a:t>
+              <a:t>3/8/2022</a:t>
             </a:fld>
             <a:endParaRPr lang="en-US"/>
           </a:p>
@@ -2963,7 +2963,7 @@
           <a:p>
             <a:fld id="{E18F4F95-9F2F-4364-AA96-7B7CEACC768D}" type="datetimeFigureOut">
               <a:rPr lang="en-US" smtClean="0"/>
-              <a:t>2/23/2022</a:t>
+              <a:t>3/8/2022</a:t>
             </a:fld>
             <a:endParaRPr lang="en-US"/>
           </a:p>
@@ -5700,7 +5700,7 @@
           <p:nvPr/>
         </p:nvPicPr>
         <p:blipFill>
-          <a:blip r:embed="rId2"/>
+          <a:blip r:embed="rId3"/>
           <a:stretch>
             <a:fillRect/>
           </a:stretch>
@@ -5730,7 +5730,7 @@
           <p:nvPr/>
         </p:nvPicPr>
         <p:blipFill>
-          <a:blip r:embed="rId3"/>
+          <a:blip r:embed="rId4"/>
           <a:stretch>
             <a:fillRect/>
           </a:stretch>
@@ -5760,7 +5760,7 @@
           <p:nvPr/>
         </p:nvPicPr>
         <p:blipFill>
-          <a:blip r:embed="rId4"/>
+          <a:blip r:embed="rId5"/>
           <a:stretch>
             <a:fillRect/>
           </a:stretch>
